--- a/ClubCards project.pptx
+++ b/ClubCards project.pptx
@@ -200,7 +200,7 @@
           <a:p>
             <a:fld id="{2FCD942D-2D0F-4748-985C-83F8C832CB35}" type="datetimeFigureOut">
               <a:rPr lang="he-IL" smtClean="0"/>
-              <a:t>י"א/כסלו/תשפ"ה</a:t>
+              <a:t>ט"ו/כסלו/תשפ"ה</a:t>
             </a:fld>
             <a:endParaRPr lang="he-IL"/>
           </a:p>
@@ -614,7 +614,7 @@
           <a:p>
             <a:fld id="{795DDF7B-B974-4501-8F16-B5708B5851E5}" type="datetimeFigureOut">
               <a:rPr lang="he-IL" smtClean="0"/>
-              <a:t>י"א/כסלו/תשפ"ה</a:t>
+              <a:t>ט"ו/כסלו/תשפ"ה</a:t>
             </a:fld>
             <a:endParaRPr lang="he-IL"/>
           </a:p>
@@ -812,7 +812,7 @@
           <a:p>
             <a:fld id="{795DDF7B-B974-4501-8F16-B5708B5851E5}" type="datetimeFigureOut">
               <a:rPr lang="he-IL" smtClean="0"/>
-              <a:t>י"א/כסלו/תשפ"ה</a:t>
+              <a:t>ט"ו/כסלו/תשפ"ה</a:t>
             </a:fld>
             <a:endParaRPr lang="he-IL"/>
           </a:p>
@@ -1020,7 +1020,7 @@
           <a:p>
             <a:fld id="{795DDF7B-B974-4501-8F16-B5708B5851E5}" type="datetimeFigureOut">
               <a:rPr lang="he-IL" smtClean="0"/>
-              <a:t>י"א/כסלו/תשפ"ה</a:t>
+              <a:t>ט"ו/כסלו/תשפ"ה</a:t>
             </a:fld>
             <a:endParaRPr lang="he-IL"/>
           </a:p>
@@ -1218,7 +1218,7 @@
           <a:p>
             <a:fld id="{795DDF7B-B974-4501-8F16-B5708B5851E5}" type="datetimeFigureOut">
               <a:rPr lang="he-IL" smtClean="0"/>
-              <a:t>י"א/כסלו/תשפ"ה</a:t>
+              <a:t>ט"ו/כסלו/תשפ"ה</a:t>
             </a:fld>
             <a:endParaRPr lang="he-IL"/>
           </a:p>
@@ -1493,7 +1493,7 @@
           <a:p>
             <a:fld id="{795DDF7B-B974-4501-8F16-B5708B5851E5}" type="datetimeFigureOut">
               <a:rPr lang="he-IL" smtClean="0"/>
-              <a:t>י"א/כסלו/תשפ"ה</a:t>
+              <a:t>ט"ו/כסלו/תשפ"ה</a:t>
             </a:fld>
             <a:endParaRPr lang="he-IL"/>
           </a:p>
@@ -1758,7 +1758,7 @@
           <a:p>
             <a:fld id="{795DDF7B-B974-4501-8F16-B5708B5851E5}" type="datetimeFigureOut">
               <a:rPr lang="he-IL" smtClean="0"/>
-              <a:t>י"א/כסלו/תשפ"ה</a:t>
+              <a:t>ט"ו/כסלו/תשפ"ה</a:t>
             </a:fld>
             <a:endParaRPr lang="he-IL"/>
           </a:p>
@@ -2170,7 +2170,7 @@
           <a:p>
             <a:fld id="{795DDF7B-B974-4501-8F16-B5708B5851E5}" type="datetimeFigureOut">
               <a:rPr lang="he-IL" smtClean="0"/>
-              <a:t>י"א/כסלו/תשפ"ה</a:t>
+              <a:t>ט"ו/כסלו/תשפ"ה</a:t>
             </a:fld>
             <a:endParaRPr lang="he-IL"/>
           </a:p>
@@ -2311,7 +2311,7 @@
           <a:p>
             <a:fld id="{795DDF7B-B974-4501-8F16-B5708B5851E5}" type="datetimeFigureOut">
               <a:rPr lang="he-IL" smtClean="0"/>
-              <a:t>י"א/כסלו/תשפ"ה</a:t>
+              <a:t>ט"ו/כסלו/תשפ"ה</a:t>
             </a:fld>
             <a:endParaRPr lang="he-IL"/>
           </a:p>
@@ -2424,7 +2424,7 @@
           <a:p>
             <a:fld id="{795DDF7B-B974-4501-8F16-B5708B5851E5}" type="datetimeFigureOut">
               <a:rPr lang="he-IL" smtClean="0"/>
-              <a:t>י"א/כסלו/תשפ"ה</a:t>
+              <a:t>ט"ו/כסלו/תשפ"ה</a:t>
             </a:fld>
             <a:endParaRPr lang="he-IL"/>
           </a:p>
@@ -2735,7 +2735,7 @@
           <a:p>
             <a:fld id="{795DDF7B-B974-4501-8F16-B5708B5851E5}" type="datetimeFigureOut">
               <a:rPr lang="he-IL" smtClean="0"/>
-              <a:t>י"א/כסלו/תשפ"ה</a:t>
+              <a:t>ט"ו/כסלו/תשפ"ה</a:t>
             </a:fld>
             <a:endParaRPr lang="he-IL"/>
           </a:p>
@@ -3023,7 +3023,7 @@
           <a:p>
             <a:fld id="{795DDF7B-B974-4501-8F16-B5708B5851E5}" type="datetimeFigureOut">
               <a:rPr lang="he-IL" smtClean="0"/>
-              <a:t>י"א/כסלו/תשפ"ה</a:t>
+              <a:t>ט"ו/כסלו/תשפ"ה</a:t>
             </a:fld>
             <a:endParaRPr lang="he-IL"/>
           </a:p>
@@ -3264,7 +3264,7 @@
           <a:p>
             <a:fld id="{795DDF7B-B974-4501-8F16-B5708B5851E5}" type="datetimeFigureOut">
               <a:rPr lang="he-IL" smtClean="0"/>
-              <a:t>י"א/כסלו/תשפ"ה</a:t>
+              <a:t>ט"ו/כסלו/תשפ"ה</a:t>
             </a:fld>
             <a:endParaRPr lang="he-IL"/>
           </a:p>
